--- a/ASP.NETCoreDeployment/Ship It Good.pptx
+++ b/ASP.NETCoreDeployment/Ship It Good.pptx
@@ -281,7 +281,7 @@
           <a:p>
             <a:fld id="{D4736866-311A-40D5-9E16-D796978D3960}" type="datetimeFigureOut">
               <a:rPr lang="en-US" smtClean="0"/>
-              <a:t>9/17/2019</a:t>
+              <a:t>9/30/2019</a:t>
             </a:fld>
             <a:endParaRPr lang="en-US"/>
           </a:p>
@@ -479,7 +479,7 @@
           <a:p>
             <a:fld id="{D4736866-311A-40D5-9E16-D796978D3960}" type="datetimeFigureOut">
               <a:rPr lang="en-US" smtClean="0"/>
-              <a:t>9/17/2019</a:t>
+              <a:t>9/30/2019</a:t>
             </a:fld>
             <a:endParaRPr lang="en-US"/>
           </a:p>
@@ -687,7 +687,7 @@
           <a:p>
             <a:fld id="{D4736866-311A-40D5-9E16-D796978D3960}" type="datetimeFigureOut">
               <a:rPr lang="en-US" smtClean="0"/>
-              <a:t>9/17/2019</a:t>
+              <a:t>9/30/2019</a:t>
             </a:fld>
             <a:endParaRPr lang="en-US"/>
           </a:p>
@@ -885,7 +885,7 @@
           <a:p>
             <a:fld id="{D4736866-311A-40D5-9E16-D796978D3960}" type="datetimeFigureOut">
               <a:rPr lang="en-US" smtClean="0"/>
-              <a:t>9/17/2019</a:t>
+              <a:t>9/30/2019</a:t>
             </a:fld>
             <a:endParaRPr lang="en-US"/>
           </a:p>
@@ -1160,7 +1160,7 @@
           <a:p>
             <a:fld id="{D4736866-311A-40D5-9E16-D796978D3960}" type="datetimeFigureOut">
               <a:rPr lang="en-US" smtClean="0"/>
-              <a:t>9/17/2019</a:t>
+              <a:t>9/30/2019</a:t>
             </a:fld>
             <a:endParaRPr lang="en-US"/>
           </a:p>
@@ -1425,7 +1425,7 @@
           <a:p>
             <a:fld id="{D4736866-311A-40D5-9E16-D796978D3960}" type="datetimeFigureOut">
               <a:rPr lang="en-US" smtClean="0"/>
-              <a:t>9/17/2019</a:t>
+              <a:t>9/30/2019</a:t>
             </a:fld>
             <a:endParaRPr lang="en-US"/>
           </a:p>
@@ -1837,7 +1837,7 @@
           <a:p>
             <a:fld id="{D4736866-311A-40D5-9E16-D796978D3960}" type="datetimeFigureOut">
               <a:rPr lang="en-US" smtClean="0"/>
-              <a:t>9/17/2019</a:t>
+              <a:t>9/30/2019</a:t>
             </a:fld>
             <a:endParaRPr lang="en-US"/>
           </a:p>
@@ -1978,7 +1978,7 @@
           <a:p>
             <a:fld id="{D4736866-311A-40D5-9E16-D796978D3960}" type="datetimeFigureOut">
               <a:rPr lang="en-US" smtClean="0"/>
-              <a:t>9/17/2019</a:t>
+              <a:t>9/30/2019</a:t>
             </a:fld>
             <a:endParaRPr lang="en-US"/>
           </a:p>
@@ -2091,7 +2091,7 @@
           <a:p>
             <a:fld id="{D4736866-311A-40D5-9E16-D796978D3960}" type="datetimeFigureOut">
               <a:rPr lang="en-US" smtClean="0"/>
-              <a:t>9/17/2019</a:t>
+              <a:t>9/30/2019</a:t>
             </a:fld>
             <a:endParaRPr lang="en-US"/>
           </a:p>
@@ -2402,7 +2402,7 @@
           <a:p>
             <a:fld id="{D4736866-311A-40D5-9E16-D796978D3960}" type="datetimeFigureOut">
               <a:rPr lang="en-US" smtClean="0"/>
-              <a:t>9/17/2019</a:t>
+              <a:t>9/30/2019</a:t>
             </a:fld>
             <a:endParaRPr lang="en-US"/>
           </a:p>
@@ -2690,7 +2690,7 @@
           <a:p>
             <a:fld id="{D4736866-311A-40D5-9E16-D796978D3960}" type="datetimeFigureOut">
               <a:rPr lang="en-US" smtClean="0"/>
-              <a:t>9/17/2019</a:t>
+              <a:t>9/30/2019</a:t>
             </a:fld>
             <a:endParaRPr lang="en-US"/>
           </a:p>
@@ -2931,7 +2931,7 @@
           <a:p>
             <a:fld id="{D4736866-311A-40D5-9E16-D796978D3960}" type="datetimeFigureOut">
               <a:rPr lang="en-US" smtClean="0"/>
-              <a:t>9/17/2019</a:t>
+              <a:t>9/30/2019</a:t>
             </a:fld>
             <a:endParaRPr lang="en-US"/>
           </a:p>
@@ -3399,7 +3399,7 @@
           <a:p>
             <a:r>
               <a:rPr lang="en-US" dirty="0"/>
-              <a:t>Deploying ASP.NET Core Like a Pro</a:t>
+              <a:t>Deploying .NET Core Like a Pro</a:t>
             </a:r>
           </a:p>
         </p:txBody>
@@ -3483,6 +3483,66 @@
           <a:bodyPr/>
           <a:lstStyle/>
           <a:p>
+            <a:r>
+              <a:rPr lang="en-US" dirty="0"/>
+              <a:t>Deploy your app, all dependencies and the version of .NET Core</a:t>
+            </a:r>
+          </a:p>
+          <a:p>
+            <a:r>
+              <a:rPr lang="en-US" dirty="0"/>
+              <a:t>Requires .NET Core native pre-</a:t>
+            </a:r>
+            <a:r>
+              <a:rPr lang="en-US" dirty="0" err="1"/>
+              <a:t>reqs</a:t>
+            </a:r>
+            <a:r>
+              <a:rPr lang="en-US" dirty="0"/>
+              <a:t> (OS dependent)</a:t>
+            </a:r>
+          </a:p>
+          <a:p>
+            <a:r>
+              <a:rPr lang="en-US" dirty="0"/>
+              <a:t>Sole control of .NET Core version installed and target system config</a:t>
+            </a:r>
+          </a:p>
+          <a:p>
+            <a:endParaRPr lang="en-US" dirty="0"/>
+          </a:p>
+          <a:p>
+            <a:pPr marL="0" indent="0">
+              <a:buNone/>
+            </a:pPr>
+            <a:r>
+              <a:rPr lang="en-US" b="1" dirty="0"/>
+              <a:t>Cons</a:t>
+            </a:r>
+          </a:p>
+          <a:p>
+            <a:r>
+              <a:rPr lang="en-US" dirty="0"/>
+              <a:t>Large deployment package (since .NET Core is along for the ride)</a:t>
+            </a:r>
+          </a:p>
+          <a:p>
+            <a:pPr lvl="1"/>
+            <a:r>
+              <a:rPr lang="en-US" dirty="0"/>
+              <a:t>Globalization Invariant Mode helps with this </a:t>
+            </a:r>
+          </a:p>
+          <a:p>
+            <a:r>
+              <a:rPr lang="en-US" dirty="0"/>
+              <a:t>Must choose target platform at build</a:t>
+            </a:r>
+          </a:p>
+          <a:p>
+            <a:endParaRPr lang="en-US" dirty="0"/>
+          </a:p>
+          <a:p>
             <a:endParaRPr lang="en-US" dirty="0"/>
           </a:p>
         </p:txBody>
@@ -3566,6 +3626,50 @@
           <a:bodyPr/>
           <a:lstStyle/>
           <a:p>
+            <a:r>
+              <a:rPr lang="en-US" dirty="0"/>
+              <a:t>Similar to FDD but for .exe based applications </a:t>
+            </a:r>
+          </a:p>
+          <a:p>
+            <a:r>
+              <a:rPr lang="en-US" dirty="0"/>
+              <a:t>Deployment folder has .exe with multiple .</a:t>
+            </a:r>
+            <a:r>
+              <a:rPr lang="en-US" dirty="0" err="1"/>
+              <a:t>dlls</a:t>
+            </a:r>
+            <a:endParaRPr lang="en-US" dirty="0"/>
+          </a:p>
+          <a:p>
+            <a:endParaRPr lang="en-US" dirty="0"/>
+          </a:p>
+          <a:p>
+            <a:endParaRPr lang="en-US" dirty="0"/>
+          </a:p>
+          <a:p>
+            <a:pPr marL="0" indent="0">
+              <a:buNone/>
+            </a:pPr>
+            <a:r>
+              <a:rPr lang="en-US" b="1" dirty="0"/>
+              <a:t>Cons</a:t>
+            </a:r>
+          </a:p>
+          <a:p>
+            <a:r>
+              <a:rPr lang="en-US" dirty="0"/>
+              <a:t>Dependent on .NET Core existing on host system</a:t>
+            </a:r>
+          </a:p>
+          <a:p>
+            <a:r>
+              <a:rPr lang="en-US" dirty="0"/>
+              <a:t>You must publish your app for each target</a:t>
+            </a:r>
+          </a:p>
+          <a:p>
             <a:endParaRPr lang="en-US" dirty="0"/>
           </a:p>
         </p:txBody>
@@ -3646,8 +3750,66 @@
         </p:nvSpPr>
         <p:spPr/>
         <p:txBody>
-          <a:bodyPr/>
+          <a:bodyPr>
+            <a:normAutofit lnSpcReduction="10000"/>
+          </a:bodyPr>
           <a:lstStyle/>
+          <a:p>
+            <a:r>
+              <a:rPr lang="en-US" dirty="0"/>
+              <a:t>Create one .exe for your entire application (your app, .NET Core runtime, 3</a:t>
+            </a:r>
+            <a:r>
+              <a:rPr lang="en-US" baseline="30000" dirty="0"/>
+              <a:t>rd</a:t>
+            </a:r>
+            <a:r>
+              <a:rPr lang="en-US" dirty="0"/>
+              <a:t> parties)</a:t>
+            </a:r>
+          </a:p>
+          <a:p>
+            <a:r>
+              <a:rPr lang="en-US" dirty="0"/>
+              <a:t>Gives ability to “drop” an application onto a host</a:t>
+            </a:r>
+          </a:p>
+          <a:p>
+            <a:r>
+              <a:rPr lang="en-US" dirty="0"/>
+              <a:t>“Trimmed” feature removes assemblies not used</a:t>
+            </a:r>
+          </a:p>
+          <a:p>
+            <a:endParaRPr lang="en-US" dirty="0"/>
+          </a:p>
+          <a:p>
+            <a:pPr marL="0" indent="0">
+              <a:buNone/>
+            </a:pPr>
+            <a:r>
+              <a:rPr lang="en-US" b="1" dirty="0"/>
+              <a:t>Cons</a:t>
+            </a:r>
+          </a:p>
+          <a:p>
+            <a:r>
+              <a:rPr lang="en-US" dirty="0"/>
+              <a:t>Very large single file size (and gets bigger the more dependencies)</a:t>
+            </a:r>
+          </a:p>
+          <a:p>
+            <a:r>
+              <a:rPr lang="en-US" dirty="0"/>
+              <a:t>Trimmed feature may break reflection</a:t>
+            </a:r>
+          </a:p>
+          <a:p>
+            <a:r>
+              <a:rPr lang="en-US" dirty="0"/>
+              <a:t>You Have to specify target</a:t>
+            </a:r>
+          </a:p>
           <a:p>
             <a:endParaRPr lang="en-US" dirty="0"/>
           </a:p>
@@ -14325,15 +14487,80 @@
             <p:ph idx="1"/>
           </p:nvPr>
         </p:nvSpPr>
-        <p:spPr/>
+        <p:spPr>
+          <a:xfrm>
+            <a:off x="838200" y="1825625"/>
+            <a:ext cx="5942496" cy="4351338"/>
+          </a:xfrm>
+        </p:spPr>
         <p:txBody>
           <a:bodyPr/>
           <a:lstStyle/>
           <a:p>
-            <a:endParaRPr lang="en-US"/>
+            <a:pPr marL="0" indent="0">
+              <a:buNone/>
+            </a:pPr>
+            <a:r>
+              <a:rPr lang="en-US" b="1" dirty="0"/>
+              <a:t>Visual Studio</a:t>
+            </a:r>
+          </a:p>
+          <a:p>
+            <a:r>
+              <a:rPr lang="en-US" dirty="0"/>
+              <a:t>Configure different build configurations</a:t>
+            </a:r>
+          </a:p>
+          <a:p>
+            <a:r>
+              <a:rPr lang="en-US" dirty="0"/>
+              <a:t>Run multi-proc builds</a:t>
+            </a:r>
+          </a:p>
+          <a:p>
+            <a:r>
+              <a:rPr lang="en-US" dirty="0"/>
+              <a:t>Customize aspects of build system (output directory, events, logs)</a:t>
+            </a:r>
+          </a:p>
+          <a:p>
+            <a:endParaRPr lang="en-US" dirty="0"/>
+          </a:p>
+          <a:p>
+            <a:endParaRPr lang="en-US" dirty="0"/>
           </a:p>
         </p:txBody>
       </p:sp>
+      <p:pic>
+        <p:nvPicPr>
+          <p:cNvPr id="5" name="Picture 4">
+            <a:extLst>
+              <a:ext uri="{FF2B5EF4-FFF2-40B4-BE49-F238E27FC236}">
+                <a16:creationId xmlns:a16="http://schemas.microsoft.com/office/drawing/2014/main" id="{5F1518A9-B139-4CA9-A8D7-AC52044FF70F}"/>
+              </a:ext>
+            </a:extLst>
+          </p:cNvPr>
+          <p:cNvPicPr>
+            <a:picLocks noChangeAspect="1"/>
+          </p:cNvPicPr>
+          <p:nvPr/>
+        </p:nvPicPr>
+        <p:blipFill>
+          <a:blip r:embed="rId2"/>
+          <a:stretch>
+            <a:fillRect/>
+          </a:stretch>
+        </p:blipFill>
+        <p:spPr>
+          <a:xfrm>
+            <a:off x="7140394" y="1690688"/>
+            <a:ext cx="4572638" cy="3962953"/>
+          </a:xfrm>
+          <a:prstGeom prst="rect">
+            <a:avLst/>
+          </a:prstGeom>
+        </p:spPr>
+      </p:pic>
     </p:spTree>
     <p:extLst>
       <p:ext uri="{BB962C8B-B14F-4D97-AF65-F5344CB8AC3E}">
@@ -14408,15 +14635,77 @@
             <p:ph idx="1"/>
           </p:nvPr>
         </p:nvSpPr>
-        <p:spPr/>
+        <p:spPr>
+          <a:xfrm>
+            <a:off x="838200" y="1825625"/>
+            <a:ext cx="4272722" cy="4351338"/>
+          </a:xfrm>
+        </p:spPr>
         <p:txBody>
           <a:bodyPr/>
           <a:lstStyle/>
           <a:p>
-            <a:endParaRPr lang="en-US"/>
+            <a:pPr marL="0" indent="0">
+              <a:buNone/>
+            </a:pPr>
+            <a:r>
+              <a:rPr lang="en-US" b="1" dirty="0"/>
+              <a:t>Say Hello to the CLI</a:t>
+            </a:r>
+          </a:p>
+          <a:p>
+            <a:r>
+              <a:rPr lang="en-US" dirty="0"/>
+              <a:t>Installed with .NET Core</a:t>
+            </a:r>
+          </a:p>
+          <a:p>
+            <a:r>
+              <a:rPr lang="en-US" dirty="0"/>
+              <a:t> Runs same things as Visual Studio</a:t>
+            </a:r>
+          </a:p>
+          <a:p>
+            <a:r>
+              <a:rPr lang="en-US" dirty="0"/>
+              <a:t>Scripts can be moved to DevOps Tool</a:t>
+            </a:r>
+          </a:p>
+          <a:p>
+            <a:endParaRPr lang="en-US" dirty="0"/>
           </a:p>
         </p:txBody>
       </p:sp>
+      <p:pic>
+        <p:nvPicPr>
+          <p:cNvPr id="5" name="Picture 4">
+            <a:extLst>
+              <a:ext uri="{FF2B5EF4-FFF2-40B4-BE49-F238E27FC236}">
+                <a16:creationId xmlns:a16="http://schemas.microsoft.com/office/drawing/2014/main" id="{976F98E4-DF0D-4983-BE9A-FFA432480B94}"/>
+              </a:ext>
+            </a:extLst>
+          </p:cNvPr>
+          <p:cNvPicPr>
+            <a:picLocks noChangeAspect="1"/>
+          </p:cNvPicPr>
+          <p:nvPr/>
+        </p:nvPicPr>
+        <p:blipFill>
+          <a:blip r:embed="rId2"/>
+          <a:stretch>
+            <a:fillRect/>
+          </a:stretch>
+        </p:blipFill>
+        <p:spPr>
+          <a:xfrm>
+            <a:off x="5154663" y="1466574"/>
+            <a:ext cx="6864646" cy="4512366"/>
+          </a:xfrm>
+          <a:prstGeom prst="rect">
+            <a:avLst/>
+          </a:prstGeom>
+        </p:spPr>
+      </p:pic>
     </p:spTree>
     <p:extLst>
       <p:ext uri="{BB962C8B-B14F-4D97-AF65-F5344CB8AC3E}">
@@ -14666,6 +14955,48 @@
         <p:txBody>
           <a:bodyPr/>
           <a:lstStyle/>
+          <a:p>
+            <a:r>
+              <a:rPr lang="en-US" dirty="0"/>
+              <a:t>.NET Core Runtime exists on server already</a:t>
+            </a:r>
+          </a:p>
+          <a:p>
+            <a:r>
+              <a:rPr lang="en-US" dirty="0"/>
+              <a:t>Deploy Just your Code (smaller deployment package)</a:t>
+            </a:r>
+          </a:p>
+          <a:p>
+            <a:r>
+              <a:rPr lang="en-US" dirty="0"/>
+              <a:t>Do not have to define target OS</a:t>
+            </a:r>
+          </a:p>
+          <a:p>
+            <a:endParaRPr lang="en-US" dirty="0"/>
+          </a:p>
+          <a:p>
+            <a:pPr marL="0" indent="0">
+              <a:buNone/>
+            </a:pPr>
+            <a:r>
+              <a:rPr lang="en-US" b="1" dirty="0"/>
+              <a:t>Cons</a:t>
+            </a:r>
+          </a:p>
+          <a:p>
+            <a:r>
+              <a:rPr lang="en-US" dirty="0"/>
+              <a:t>Dependent on having an installed runtime</a:t>
+            </a:r>
+          </a:p>
+          <a:p>
+            <a:r>
+              <a:rPr lang="en-US" dirty="0"/>
+              <a:t>Upgrading the runtime may break your app (like all other upgrades)</a:t>
+            </a:r>
+          </a:p>
           <a:p>
             <a:endParaRPr lang="en-US" dirty="0"/>
           </a:p>

--- a/ASP.NETCoreDeployment/Ship It Good.pptx
+++ b/ASP.NETCoreDeployment/Ship It Good.pptx
@@ -3777,7 +3777,7 @@
           <a:p>
             <a:r>
               <a:rPr lang="en-US" dirty="0"/>
-              <a:t>“Trimmed” feature removes assemblies not used</a:t>
+              <a:t>Experimental “Trimmed” feature removes assemblies not used</a:t>
             </a:r>
           </a:p>
           <a:p>
@@ -3928,7 +3928,7 @@
         </p:blipFill>
         <p:spPr>
           <a:xfrm>
-            <a:off x="3957339" y="1576129"/>
+            <a:off x="4342784" y="1825625"/>
             <a:ext cx="4277322" cy="3705742"/>
           </a:xfrm>
           <a:prstGeom prst="rect">
@@ -3958,7 +3958,7 @@
         </p:blipFill>
         <p:spPr>
           <a:xfrm>
-            <a:off x="2710207" y="2351049"/>
+            <a:off x="4342784" y="2269395"/>
             <a:ext cx="6426530" cy="2673487"/>
           </a:xfrm>
           <a:prstGeom prst="rect">
@@ -4187,8 +4187,8 @@
         </p:blipFill>
         <p:spPr>
           <a:xfrm>
-            <a:off x="696003" y="1576129"/>
-            <a:ext cx="11089597" cy="3543308"/>
+            <a:off x="4342784" y="2649490"/>
+            <a:ext cx="7177698" cy="2293392"/>
           </a:xfrm>
           <a:prstGeom prst="rect">
             <a:avLst/>
@@ -9180,11 +9180,13 @@
         <p:spPr>
           <a:xfrm>
             <a:off x="838200" y="1825625"/>
-            <a:ext cx="10515600" cy="4750666"/>
+            <a:ext cx="5319643" cy="4750666"/>
           </a:xfrm>
         </p:spPr>
         <p:txBody>
-          <a:bodyPr/>
+          <a:bodyPr>
+            <a:normAutofit fontScale="92500" lnSpcReduction="20000"/>
+          </a:bodyPr>
           <a:lstStyle/>
           <a:p>
             <a:r>
@@ -9233,6 +9235,53 @@
           </a:p>
         </p:txBody>
       </p:sp>
+      <p:pic>
+        <p:nvPicPr>
+          <p:cNvPr id="1028" name="Picture 4">
+            <a:extLst>
+              <a:ext uri="{FF2B5EF4-FFF2-40B4-BE49-F238E27FC236}">
+                <a16:creationId xmlns:a16="http://schemas.microsoft.com/office/drawing/2014/main" id="{7BD8B59A-E94D-42BE-ADCB-1CCD93A39145}"/>
+              </a:ext>
+            </a:extLst>
+          </p:cNvPr>
+          <p:cNvPicPr>
+            <a:picLocks noChangeAspect="1" noChangeArrowheads="1"/>
+          </p:cNvPicPr>
+          <p:nvPr/>
+        </p:nvPicPr>
+        <p:blipFill>
+          <a:blip r:embed="rId2">
+            <a:extLst>
+              <a:ext uri="{28A0092B-C50C-407E-A947-70E740481C1C}">
+                <a14:useLocalDpi xmlns:a14="http://schemas.microsoft.com/office/drawing/2010/main" val="0"/>
+              </a:ext>
+            </a:extLst>
+          </a:blip>
+          <a:srcRect/>
+          <a:stretch>
+            <a:fillRect/>
+          </a:stretch>
+        </p:blipFill>
+        <p:spPr bwMode="auto">
+          <a:xfrm>
+            <a:off x="6744992" y="2031999"/>
+            <a:ext cx="4686804" cy="3648765"/>
+          </a:xfrm>
+          <a:prstGeom prst="rect">
+            <a:avLst/>
+          </a:prstGeom>
+          <a:noFill/>
+          <a:extLst>
+            <a:ext uri="{909E8E84-426E-40DD-AFC4-6F175D3DCCD1}">
+              <a14:hiddenFill xmlns:a14="http://schemas.microsoft.com/office/drawing/2010/main">
+                <a:solidFill>
+                  <a:srgbClr val="FFFFFF"/>
+                </a:solidFill>
+              </a14:hiddenFill>
+            </a:ext>
+          </a:extLst>
+        </p:spPr>
+      </p:pic>
     </p:spTree>
     <p:extLst>
       <p:ext uri="{BB962C8B-B14F-4D97-AF65-F5344CB8AC3E}">
@@ -9307,21 +9356,51 @@
             <p:ph idx="1"/>
           </p:nvPr>
         </p:nvSpPr>
-        <p:spPr/>
+        <p:spPr>
+          <a:xfrm>
+            <a:off x="445753" y="1849172"/>
+            <a:ext cx="4722765" cy="4351338"/>
+          </a:xfrm>
+        </p:spPr>
         <p:txBody>
           <a:bodyPr/>
           <a:lstStyle/>
           <a:p>
             <a:r>
-              <a:rPr lang="en-US" dirty="0"/>
+              <a:rPr lang="en-US" sz="2000" b="1" dirty="0"/>
               <a:t>Azure App Service Deployment Center</a:t>
             </a:r>
           </a:p>
           <a:p>
+            <a:endParaRPr lang="en-US" sz="1800" dirty="0"/>
+          </a:p>
+          <a:p>
             <a:pPr lvl="1"/>
             <a:r>
-              <a:rPr lang="en-US" dirty="0"/>
-              <a:t>Configure your entire CI/CD through Azure Portal</a:t>
+              <a:rPr lang="en-US" sz="1800" dirty="0"/>
+              <a:t>Point at source control (GitHub, Azure Repos, Bitbucket)</a:t>
+            </a:r>
+          </a:p>
+          <a:p>
+            <a:pPr lvl="1"/>
+            <a:endParaRPr lang="en-US" sz="1800" dirty="0"/>
+          </a:p>
+          <a:p>
+            <a:pPr lvl="1"/>
+            <a:r>
+              <a:rPr lang="en-US" sz="1800" dirty="0"/>
+              <a:t>Configure your entire CI/CD through Azure Portal with Azure Pipelines or Kudu</a:t>
+            </a:r>
+          </a:p>
+          <a:p>
+            <a:pPr lvl="1"/>
+            <a:endParaRPr lang="en-US" sz="1800" dirty="0"/>
+          </a:p>
+          <a:p>
+            <a:pPr lvl="1"/>
+            <a:r>
+              <a:rPr lang="en-US" sz="1800" dirty="0"/>
+              <a:t>Option to trigger push/sync deployment (OneDrive, Dropbox, FTP)</a:t>
             </a:r>
           </a:p>
         </p:txBody>
@@ -9348,8 +9427,8 @@
         </p:blipFill>
         <p:spPr>
           <a:xfrm>
-            <a:off x="268013" y="2795302"/>
-            <a:ext cx="10762593" cy="3841916"/>
+            <a:off x="5309352" y="2622387"/>
+            <a:ext cx="6604259" cy="2357518"/>
           </a:xfrm>
           <a:prstGeom prst="rect">
             <a:avLst/>
@@ -12243,7 +12322,7 @@
                 <a:ea typeface="Segoe UI" panose="020B0502040204020203" pitchFamily="34" charset="0"/>
                 <a:cs typeface="Segoe UI" panose="020B0502040204020203" pitchFamily="34" charset="0"/>
               </a:rPr>
-              <a:t>Net CLI</a:t>
+              <a:t>Net Core CLI</a:t>
             </a:r>
           </a:p>
         </p:txBody>
@@ -12427,7 +12506,7 @@
                 <a:ea typeface="Segoe UI" panose="020B0502040204020203" pitchFamily="34" charset="0"/>
                 <a:cs typeface="Segoe UI" panose="020B0502040204020203" pitchFamily="34" charset="0"/>
               </a:rPr>
-              <a:t> CLI (Roslyn)</a:t>
+              <a:t> Core CLI (Roslyn)</a:t>
             </a:r>
           </a:p>
         </p:txBody>
@@ -14672,6 +14751,12 @@
             </a:r>
           </a:p>
           <a:p>
+            <a:r>
+              <a:rPr lang="en-US" dirty="0"/>
+              <a:t>You OWN the whole process</a:t>
+            </a:r>
+          </a:p>
+          <a:p>
             <a:endParaRPr lang="en-US" dirty="0"/>
           </a:p>
         </p:txBody>
@@ -14971,6 +15056,12 @@
             <a:r>
               <a:rPr lang="en-US" dirty="0"/>
               <a:t>Do not have to define target OS</a:t>
+            </a:r>
+          </a:p>
+          <a:p>
+            <a:r>
+              <a:rPr lang="en-US" dirty="0"/>
+              <a:t>Faster (just deploying your app)</a:t>
             </a:r>
           </a:p>
           <a:p>

--- a/ASP.NETCoreDeployment/Ship It Good.pptx
+++ b/ASP.NETCoreDeployment/Ship It Good.pptx
@@ -3480,8 +3480,19 @@
         </p:nvSpPr>
         <p:spPr/>
         <p:txBody>
-          <a:bodyPr/>
+          <a:bodyPr>
+            <a:normAutofit lnSpcReduction="10000"/>
+          </a:bodyPr>
           <a:lstStyle/>
+          <a:p>
+            <a:pPr marL="0" indent="0">
+              <a:buNone/>
+            </a:pPr>
+            <a:r>
+              <a:rPr lang="en-US" b="1" dirty="0"/>
+              <a:t>Pros</a:t>
+            </a:r>
+          </a:p>
           <a:p>
             <a:r>
               <a:rPr lang="en-US" dirty="0"/>
@@ -3626,6 +3637,15 @@
           <a:bodyPr/>
           <a:lstStyle/>
           <a:p>
+            <a:pPr marL="0" indent="0">
+              <a:buNone/>
+            </a:pPr>
+            <a:r>
+              <a:rPr lang="en-US" b="1" dirty="0"/>
+              <a:t>Pros</a:t>
+            </a:r>
+          </a:p>
+          <a:p>
             <a:r>
               <a:rPr lang="en-US" dirty="0"/>
               <a:t>Similar to FDD but for .exe based applications </a:t>
@@ -3751,9 +3771,18 @@
         <p:spPr/>
         <p:txBody>
           <a:bodyPr>
-            <a:normAutofit lnSpcReduction="10000"/>
+            <a:normAutofit fontScale="92500" lnSpcReduction="10000"/>
           </a:bodyPr>
           <a:lstStyle/>
+          <a:p>
+            <a:pPr marL="0" indent="0">
+              <a:buNone/>
+            </a:pPr>
+            <a:r>
+              <a:rPr lang="en-US" b="1" dirty="0"/>
+              <a:t>Pros</a:t>
+            </a:r>
+          </a:p>
           <a:p>
             <a:r>
               <a:rPr lang="en-US" dirty="0"/>
@@ -4723,7 +4752,7 @@
           <a:p>
             <a:r>
               <a:rPr lang="en-US" dirty="0"/>
-              <a:t>Why Publishing from VS Fails?</a:t>
+              <a:t>Why Publishing from VS Fails</a:t>
             </a:r>
           </a:p>
         </p:txBody>
@@ -9628,7 +9657,7 @@
           <a:p>
             <a:r>
               <a:rPr lang="en-US" dirty="0"/>
-              <a:t>Why .NET Core Changes Everything?</a:t>
+              <a:t>Why .NET Core Changes Everything</a:t>
             </a:r>
           </a:p>
         </p:txBody>
@@ -15038,8 +15067,19 @@
         </p:nvSpPr>
         <p:spPr/>
         <p:txBody>
-          <a:bodyPr/>
+          <a:bodyPr>
+            <a:normAutofit lnSpcReduction="10000"/>
+          </a:bodyPr>
           <a:lstStyle/>
+          <a:p>
+            <a:pPr marL="0" indent="0">
+              <a:buNone/>
+            </a:pPr>
+            <a:r>
+              <a:rPr lang="en-US" b="1" dirty="0"/>
+              <a:t>Pros</a:t>
+            </a:r>
+          </a:p>
           <a:p>
             <a:r>
               <a:rPr lang="en-US" dirty="0"/>
